--- a/doc/DE_Sprint_Kickoff.pptx
+++ b/doc/DE_Sprint_Kickoff.pptx
@@ -11,7 +11,8 @@
     <p:sldId id="266" r:id="rId5"/>
     <p:sldId id="265" r:id="rId6"/>
     <p:sldId id="257" r:id="rId7"/>
-    <p:sldId id="268" r:id="rId8"/>
+    <p:sldId id="269" r:id="rId8"/>
+    <p:sldId id="268" r:id="rId9"/>
   </p:sldIdLst>
   <p:sldSz cx="12192000" cy="6858000"/>
   <p:notesSz cx="6858000" cy="9144000"/>
@@ -110,6 +111,11 @@
       </a:defRPr>
     </a:lvl9pPr>
   </p:defaultTextStyle>
+  <p:extLst>
+    <p:ext uri="{EFAFB233-063F-42B5-8137-9DF3F51BA10A}">
+      <p15:sldGuideLst xmlns:p15="http://schemas.microsoft.com/office/powerpoint/2012/main"/>
+    </p:ext>
+  </p:extLst>
 </p:presentation>
 </file>
 
@@ -281,7 +287,7 @@
           <a:p>
             <a:fld id="{9E016143-E03C-4CFD-AFDC-14E5BDEA754C}" type="datetimeFigureOut">
               <a:rPr lang="en-US" dirty="0"/>
-              <a:t>4/10/17</a:t>
+              <a:t>4/12/17</a:t>
             </a:fld>
             <a:endParaRPr lang="en-US" dirty="0"/>
           </a:p>
@@ -505,7 +511,7 @@
           <a:p>
             <a:fld id="{C033E54A-A8CA-48C1-9504-691B58049D29}" type="datetimeFigureOut">
               <a:rPr lang="en-US" dirty="0"/>
-              <a:t>4/10/17</a:t>
+              <a:t>4/12/17</a:t>
             </a:fld>
             <a:endParaRPr lang="en-US" dirty="0"/>
           </a:p>
@@ -680,7 +686,7 @@
           <a:p>
             <a:fld id="{B5F6C806-BBF7-471C-9527-881CE2266695}" type="datetimeFigureOut">
               <a:rPr lang="en-US" dirty="0"/>
-              <a:t>4/10/17</a:t>
+              <a:t>4/12/17</a:t>
             </a:fld>
             <a:endParaRPr lang="en-US" dirty="0"/>
           </a:p>
@@ -845,7 +851,7 @@
           <a:p>
             <a:fld id="{78C94063-DF36-4330-A365-08DA1FA5B7D6}" type="datetimeFigureOut">
               <a:rPr lang="en-US" dirty="0"/>
-              <a:t>4/10/17</a:t>
+              <a:t>4/12/17</a:t>
             </a:fld>
             <a:endParaRPr lang="en-US" dirty="0"/>
           </a:p>
@@ -1094,7 +1100,7 @@
           <a:p>
             <a:fld id="{908A7C6C-0F39-4D70-8E8D-FE5B9C95FA73}" type="datetimeFigureOut">
               <a:rPr lang="en-US" dirty="0"/>
-              <a:t>4/10/17</a:t>
+              <a:t>4/12/17</a:t>
             </a:fld>
             <a:endParaRPr lang="en-US" dirty="0"/>
           </a:p>
@@ -1415,7 +1421,7 @@
           <a:p>
             <a:fld id="{DFCFA4AC-08CC-42CE-BD01-C191750A04EC}" type="datetimeFigureOut">
               <a:rPr lang="en-US" dirty="0"/>
-              <a:t>4/10/17</a:t>
+              <a:t>4/12/17</a:t>
             </a:fld>
             <a:endParaRPr lang="en-US" dirty="0"/>
           </a:p>
@@ -1861,7 +1867,7 @@
           <a:p>
             <a:fld id="{1BA7A723-92A7-435B-B681-F25B092FEFEB}" type="datetimeFigureOut">
               <a:rPr lang="en-US" dirty="0"/>
-              <a:t>4/10/17</a:t>
+              <a:t>4/12/17</a:t>
             </a:fld>
             <a:endParaRPr lang="en-US" dirty="0"/>
           </a:p>
@@ -1974,7 +1980,7 @@
           <a:p>
             <a:fld id="{4F170639-886C-4FCF-9EAB-ABB5DA3F3F4A}" type="datetimeFigureOut">
               <a:rPr lang="en-US" dirty="0"/>
-              <a:t>4/10/17</a:t>
+              <a:t>4/12/17</a:t>
             </a:fld>
             <a:endParaRPr lang="en-US" dirty="0"/>
           </a:p>
@@ -2064,7 +2070,7 @@
           <a:p>
             <a:fld id="{22230651-31F4-45D2-98AE-A2108F41BC07}" type="datetimeFigureOut">
               <a:rPr lang="en-US" dirty="0"/>
-              <a:t>4/10/17</a:t>
+              <a:t>4/12/17</a:t>
             </a:fld>
             <a:endParaRPr lang="en-US" dirty="0"/>
           </a:p>
@@ -2346,7 +2352,7 @@
           <a:p>
             <a:fld id="{6F53789A-C914-4DB1-8815-80B5EC7335C5}" type="datetimeFigureOut">
               <a:rPr lang="en-US" dirty="0"/>
-              <a:t>4/10/17</a:t>
+              <a:t>4/12/17</a:t>
             </a:fld>
             <a:endParaRPr lang="en-US" dirty="0"/>
           </a:p>
@@ -2666,7 +2672,7 @@
           <a:p>
             <a:fld id="{5E6440AA-91A0-436F-8FDB-C0F939DCAE21}" type="datetimeFigureOut">
               <a:rPr lang="en-US" dirty="0"/>
-              <a:t>4/10/17</a:t>
+              <a:t>4/12/17</a:t>
             </a:fld>
             <a:endParaRPr lang="en-US" dirty="0"/>
           </a:p>
@@ -2915,7 +2921,7 @@
           <a:p>
             <a:fld id="{0E59FD0C-5451-4CA0-86AF-E70AE3279989}" type="datetimeFigureOut">
               <a:rPr lang="en-US" dirty="0"/>
-              <a:t>4/10/17</a:t>
+              <a:t>4/12/17</a:t>
             </a:fld>
             <a:endParaRPr lang="en-US" dirty="0"/>
           </a:p>
@@ -4379,6 +4385,108 @@
           <a:p>
             <a:r>
               <a:rPr lang="en-US" dirty="0" smtClean="0"/>
+              <a:t>Schedule</a:t>
+            </a:r>
+            <a:endParaRPr lang="en-US" dirty="0"/>
+          </a:p>
+        </p:txBody>
+      </p:sp>
+      <p:sp>
+        <p:nvSpPr>
+          <p:cNvPr id="3" name="Content Placeholder 2"/>
+          <p:cNvSpPr>
+            <a:spLocks noGrp="1"/>
+          </p:cNvSpPr>
+          <p:nvPr>
+            <p:ph idx="1"/>
+          </p:nvPr>
+        </p:nvSpPr>
+        <p:spPr/>
+        <p:txBody>
+          <a:bodyPr/>
+          <a:lstStyle/>
+          <a:p>
+            <a:r>
+              <a:rPr lang="en-US" dirty="0" smtClean="0"/>
+              <a:t>Start at 9:15  (04/12 </a:t>
+            </a:r>
+            <a:r>
+              <a:rPr lang="mr-IN" dirty="0" smtClean="0"/>
+              <a:t>–</a:t>
+            </a:r>
+            <a:r>
+              <a:rPr lang="en-US" dirty="0" smtClean="0"/>
+              <a:t> 04/13)</a:t>
+            </a:r>
+          </a:p>
+          <a:p>
+            <a:r>
+              <a:rPr lang="en-US" dirty="0" smtClean="0"/>
+              <a:t>Break for lunch at noon</a:t>
+            </a:r>
+          </a:p>
+          <a:p>
+            <a:r>
+              <a:rPr lang="en-US" dirty="0" smtClean="0"/>
+              <a:t>Additional breaks as needed</a:t>
+            </a:r>
+          </a:p>
+          <a:p>
+            <a:r>
+              <a:rPr lang="en-US" dirty="0" smtClean="0"/>
+              <a:t>Assess progress close of business Thursday (04/13)</a:t>
+            </a:r>
+            <a:endParaRPr lang="en-US" dirty="0"/>
+          </a:p>
+        </p:txBody>
+      </p:sp>
+    </p:spTree>
+    <p:extLst>
+      <p:ext uri="{BB962C8B-B14F-4D97-AF65-F5344CB8AC3E}">
+        <p14:creationId xmlns:p14="http://schemas.microsoft.com/office/powerpoint/2010/main" val="1810010283"/>
+      </p:ext>
+    </p:extLst>
+  </p:cSld>
+  <p:clrMapOvr>
+    <a:masterClrMapping/>
+  </p:clrMapOvr>
+</p:sld>
+</file>
+
+<file path=ppt/slides/slide8.xml><?xml version="1.0" encoding="utf-8"?>
+<p:sld xmlns:a="http://schemas.openxmlformats.org/drawingml/2006/main" xmlns:r="http://schemas.openxmlformats.org/officeDocument/2006/relationships" xmlns:p="http://schemas.openxmlformats.org/presentationml/2006/main">
+  <p:cSld>
+    <p:spTree>
+      <p:nvGrpSpPr>
+        <p:cNvPr id="1" name=""/>
+        <p:cNvGrpSpPr/>
+        <p:nvPr/>
+      </p:nvGrpSpPr>
+      <p:grpSpPr>
+        <a:xfrm>
+          <a:off x="0" y="0"/>
+          <a:ext cx="0" cy="0"/>
+          <a:chOff x="0" y="0"/>
+          <a:chExt cx="0" cy="0"/>
+        </a:xfrm>
+      </p:grpSpPr>
+      <p:sp>
+        <p:nvSpPr>
+          <p:cNvPr id="2" name="Title 1"/>
+          <p:cNvSpPr>
+            <a:spLocks noGrp="1"/>
+          </p:cNvSpPr>
+          <p:nvPr>
+            <p:ph type="title"/>
+          </p:nvPr>
+        </p:nvSpPr>
+        <p:spPr/>
+        <p:txBody>
+          <a:bodyPr/>
+          <a:lstStyle/>
+          <a:p>
+            <a:r>
+              <a:rPr lang="en-US" dirty="0" smtClean="0"/>
               <a:t>Decision Engine Class Diagram</a:t>
             </a:r>
             <a:endParaRPr lang="en-US" dirty="0"/>
